--- a/008_ListTupleDict.pptx
+++ b/008_ListTupleDict.pptx
@@ -5,7 +5,7 @@
     <p:sldMasterId id="2147483648" r:id="rId1"/>
   </p:sldMasterIdLst>
   <p:notesMasterIdLst>
-    <p:notesMasterId r:id="rId20"/>
+    <p:notesMasterId r:id="rId17"/>
   </p:notesMasterIdLst>
   <p:sldIdLst>
     <p:sldId id="256" r:id="rId2"/>
@@ -22,10 +22,7 @@
     <p:sldId id="289" r:id="rId13"/>
     <p:sldId id="295" r:id="rId14"/>
     <p:sldId id="290" r:id="rId15"/>
-    <p:sldId id="291" r:id="rId16"/>
-    <p:sldId id="292" r:id="rId17"/>
-    <p:sldId id="293" r:id="rId18"/>
-    <p:sldId id="259" r:id="rId19"/>
+    <p:sldId id="259" r:id="rId16"/>
   </p:sldIdLst>
   <p:sldSz cx="9144000" cy="6858000" type="screen4x3"/>
   <p:notesSz cx="6858000" cy="9144000"/>
@@ -226,7 +223,7 @@
             <a:fld id="{6837EDA8-41C8-4B24-A206-13C08A65A6D7}" type="datetimeFigureOut">
               <a:rPr lang="zh-TW" altLang="en-US" smtClean="0"/>
               <a:pPr/>
-              <a:t>2020/9/24</a:t>
+              <a:t>2020/9/25</a:t>
             </a:fld>
             <a:endParaRPr lang="zh-TW" altLang="en-US"/>
           </a:p>
@@ -679,7 +676,7 @@
             <a:fld id="{8B85509C-BD4F-47BF-9B1E-FC2E949B3621}" type="datetime1">
               <a:rPr lang="zh-TW" altLang="en-US" smtClean="0"/>
               <a:pPr/>
-              <a:t>2020/9/24</a:t>
+              <a:t>2020/9/25</a:t>
             </a:fld>
             <a:endParaRPr lang="zh-TW" altLang="en-US"/>
           </a:p>
@@ -852,7 +849,7 @@
             <a:fld id="{42251B24-F787-4C15-8A0F-7AEC20C70069}" type="datetime1">
               <a:rPr lang="zh-TW" altLang="en-US" smtClean="0"/>
               <a:pPr/>
-              <a:t>2020/9/24</a:t>
+              <a:t>2020/9/25</a:t>
             </a:fld>
             <a:endParaRPr lang="zh-TW" altLang="en-US"/>
           </a:p>
@@ -1027,7 +1024,7 @@
             <a:fld id="{9CA0D33C-CE2B-45F1-B8D4-FFD1F131F331}" type="datetime1">
               <a:rPr lang="zh-TW" altLang="en-US" smtClean="0"/>
               <a:pPr/>
-              <a:t>2020/9/24</a:t>
+              <a:t>2020/9/25</a:t>
             </a:fld>
             <a:endParaRPr lang="zh-TW" altLang="en-US"/>
           </a:p>
@@ -1192,7 +1189,7 @@
             <a:fld id="{50B99440-D9EF-40CC-9B52-F6428D9B2C76}" type="datetime1">
               <a:rPr lang="zh-TW" altLang="en-US" smtClean="0"/>
               <a:pPr/>
-              <a:t>2020/9/24</a:t>
+              <a:t>2020/9/25</a:t>
             </a:fld>
             <a:endParaRPr lang="zh-TW" altLang="en-US"/>
           </a:p>
@@ -1434,7 +1431,7 @@
             <a:fld id="{0871BF52-5C6C-4959-8E27-CECB68D39FE4}" type="datetime1">
               <a:rPr lang="zh-TW" altLang="en-US" smtClean="0"/>
               <a:pPr/>
-              <a:t>2020/9/24</a:t>
+              <a:t>2020/9/25</a:t>
             </a:fld>
             <a:endParaRPr lang="zh-TW" altLang="en-US"/>
           </a:p>
@@ -1716,7 +1713,7 @@
             <a:fld id="{DF863F05-2DD9-4EB1-A827-12FD992DE9DC}" type="datetime1">
               <a:rPr lang="zh-TW" altLang="en-US" smtClean="0"/>
               <a:pPr/>
-              <a:t>2020/9/24</a:t>
+              <a:t>2020/9/25</a:t>
             </a:fld>
             <a:endParaRPr lang="zh-TW" altLang="en-US"/>
           </a:p>
@@ -2132,7 +2129,7 @@
             <a:fld id="{6339AF51-4491-4873-A096-75DB6CE47516}" type="datetime1">
               <a:rPr lang="zh-TW" altLang="en-US" smtClean="0"/>
               <a:pPr/>
-              <a:t>2020/9/24</a:t>
+              <a:t>2020/9/25</a:t>
             </a:fld>
             <a:endParaRPr lang="zh-TW" altLang="en-US"/>
           </a:p>
@@ -2246,7 +2243,7 @@
             <a:fld id="{EE4AD9C8-8B9E-40FF-ABE2-858AC2057BBB}" type="datetime1">
               <a:rPr lang="zh-TW" altLang="en-US" smtClean="0"/>
               <a:pPr/>
-              <a:t>2020/9/24</a:t>
+              <a:t>2020/9/25</a:t>
             </a:fld>
             <a:endParaRPr lang="zh-TW" altLang="en-US"/>
           </a:p>
@@ -2338,7 +2335,7 @@
             <a:fld id="{B4784999-BBBE-4BE4-A8D0-877E7D1D66CC}" type="datetime1">
               <a:rPr lang="zh-TW" altLang="en-US" smtClean="0"/>
               <a:pPr/>
-              <a:t>2020/9/24</a:t>
+              <a:t>2020/9/25</a:t>
             </a:fld>
             <a:endParaRPr lang="zh-TW" altLang="en-US"/>
           </a:p>
@@ -2610,7 +2607,7 @@
             <a:fld id="{E88D17E6-02BD-4944-B9FE-7BFCCBF83D48}" type="datetime1">
               <a:rPr lang="zh-TW" altLang="en-US" smtClean="0"/>
               <a:pPr/>
-              <a:t>2020/9/24</a:t>
+              <a:t>2020/9/25</a:t>
             </a:fld>
             <a:endParaRPr lang="zh-TW" altLang="en-US"/>
           </a:p>
@@ -2859,7 +2856,7 @@
             <a:fld id="{3C13E23D-1FEF-4D78-A3A3-3D6F2BB31954}" type="datetime1">
               <a:rPr lang="zh-TW" altLang="en-US" smtClean="0"/>
               <a:pPr/>
-              <a:t>2020/9/24</a:t>
+              <a:t>2020/9/25</a:t>
             </a:fld>
             <a:endParaRPr lang="zh-TW" altLang="en-US"/>
           </a:p>
@@ -3067,7 +3064,7 @@
             <a:fld id="{06197F35-AD6F-4594-8B50-334492D2E7E8}" type="datetime1">
               <a:rPr lang="zh-TW" altLang="en-US" smtClean="0"/>
               <a:pPr/>
-              <a:t>2020/9/24</a:t>
+              <a:t>2020/9/25</a:t>
             </a:fld>
             <a:endParaRPr lang="zh-TW" altLang="en-US"/>
           </a:p>
@@ -3528,7 +3525,7 @@
             <a:fld id="{C389EDC9-19E3-47AC-9C57-C6A24DEA81AD}" type="datetime1">
               <a:rPr lang="zh-TW" altLang="en-US" smtClean="0"/>
               <a:pPr/>
-              <a:t>2020/9/24</a:t>
+              <a:t>2020/9/25</a:t>
             </a:fld>
             <a:endParaRPr lang="zh-TW" altLang="en-US"/>
           </a:p>
@@ -3947,7 +3944,7 @@
             <a:fld id="{A4F910E6-8D00-4BAF-8C48-9688E0B449D3}" type="datetime1">
               <a:rPr lang="zh-TW" altLang="en-US" smtClean="0"/>
               <a:pPr/>
-              <a:t>2020/9/24</a:t>
+              <a:t>2020/9/25</a:t>
             </a:fld>
             <a:endParaRPr lang="zh-TW" altLang="en-US" dirty="0"/>
           </a:p>
@@ -4112,7 +4109,7 @@
             <a:fld id="{C389EDC9-19E3-47AC-9C57-C6A24DEA81AD}" type="datetime1">
               <a:rPr lang="zh-TW" altLang="en-US" smtClean="0"/>
               <a:pPr/>
-              <a:t>2020/9/24</a:t>
+              <a:t>2020/9/25</a:t>
             </a:fld>
             <a:endParaRPr lang="zh-TW" altLang="en-US"/>
           </a:p>
@@ -4613,7 +4610,7 @@
             <a:fld id="{A4F910E6-8D00-4BAF-8C48-9688E0B449D3}" type="datetime1">
               <a:rPr lang="zh-TW" altLang="en-US" smtClean="0"/>
               <a:pPr/>
-              <a:t>2020/9/24</a:t>
+              <a:t>2020/9/25</a:t>
             </a:fld>
             <a:endParaRPr lang="zh-TW" altLang="en-US" dirty="0"/>
           </a:p>
@@ -5001,7 +4998,7 @@
             <a:fld id="{A4F910E6-8D00-4BAF-8C48-9688E0B449D3}" type="datetime1">
               <a:rPr lang="zh-TW" altLang="en-US" smtClean="0"/>
               <a:pPr/>
-              <a:t>2020/9/24</a:t>
+              <a:t>2020/9/25</a:t>
             </a:fld>
             <a:endParaRPr lang="zh-TW" altLang="en-US" dirty="0"/>
           </a:p>
@@ -5649,7 +5646,7 @@
             <a:fld id="{A4F910E6-8D00-4BAF-8C48-9688E0B449D3}" type="datetime1">
               <a:rPr lang="zh-TW" altLang="en-US" smtClean="0"/>
               <a:pPr/>
-              <a:t>2020/9/24</a:t>
+              <a:t>2020/9/25</a:t>
             </a:fld>
             <a:endParaRPr lang="zh-TW" altLang="en-US" dirty="0"/>
           </a:p>
@@ -5770,9 +5767,32 @@
             <a:off x="0" y="2130425"/>
             <a:ext cx="9144000" cy="1470025"/>
           </a:xfrm>
-          <a:solidFill>
-            <a:srgbClr val="00B0F0"/>
-          </a:solidFill>
+          <a:gradFill flip="none" rotWithShape="1">
+            <a:gsLst>
+              <a:gs pos="0">
+                <a:srgbClr val="00B0F0">
+                  <a:shade val="30000"/>
+                  <a:satMod val="115000"/>
+                </a:srgbClr>
+              </a:gs>
+              <a:gs pos="50000">
+                <a:srgbClr val="00B0F0">
+                  <a:shade val="67500"/>
+                  <a:satMod val="115000"/>
+                </a:srgbClr>
+              </a:gs>
+              <a:gs pos="100000">
+                <a:srgbClr val="00B0F0">
+                  <a:shade val="100000"/>
+                  <a:satMod val="115000"/>
+                </a:srgbClr>
+              </a:gs>
+            </a:gsLst>
+            <a:path path="circle">
+              <a:fillToRect t="100000" r="100000"/>
+            </a:path>
+            <a:tileRect l="-100000" b="-100000"/>
+          </a:gradFill>
         </p:spPr>
         <p:txBody>
           <a:bodyPr>
@@ -5781,14 +5801,14 @@
           <a:lstStyle/>
           <a:p>
             <a:r>
-              <a:rPr lang="en-US" altLang="zh-TW" sz="4800" b="1" dirty="0">
+              <a:rPr lang="en-US" altLang="zh-TW" sz="6000" b="1" dirty="0">
                 <a:solidFill>
                   <a:srgbClr val="FFFF00"/>
                 </a:solidFill>
               </a:rPr>
-              <a:t>8.9 Function</a:t>
-            </a:r>
-            <a:endParaRPr lang="zh-TW" altLang="en-US" sz="4800" b="1" dirty="0">
+              <a:t>End of Chapter</a:t>
+            </a:r>
+            <a:endParaRPr lang="zh-TW" altLang="en-US" sz="6000" b="1" dirty="0">
               <a:solidFill>
                 <a:srgbClr val="FFFF00"/>
               </a:solidFill>
@@ -5811,10 +5831,10 @@
           <a:bodyPr/>
           <a:lstStyle/>
           <a:p>
-            <a:fld id="{C389EDC9-19E3-47AC-9C57-C6A24DEA81AD}" type="datetime1">
+            <a:fld id="{4E46BE27-E923-4EC2-B046-3272AE2A3E5C}" type="datetime1">
               <a:rPr lang="zh-TW" altLang="en-US" smtClean="0"/>
               <a:pPr/>
-              <a:t>2020/9/24</a:t>
+              <a:t>2020/9/25</a:t>
             </a:fld>
             <a:endParaRPr lang="zh-TW" altLang="en-US"/>
           </a:p>
@@ -5844,42 +5864,7 @@
           </a:p>
         </p:txBody>
       </p:sp>
-      <p:pic>
-        <p:nvPicPr>
-          <p:cNvPr id="7" name="Picture 6">
-            <a:extLst>
-              <a:ext uri="{FF2B5EF4-FFF2-40B4-BE49-F238E27FC236}">
-                <a16:creationId xmlns:a16="http://schemas.microsoft.com/office/drawing/2014/main" id="{1BE488C5-DA27-405E-9F7E-A4EF5DF95762}"/>
-              </a:ext>
-            </a:extLst>
-          </p:cNvPr>
-          <p:cNvPicPr>
-            <a:picLocks noChangeAspect="1"/>
-          </p:cNvPicPr>
-          <p:nvPr/>
-        </p:nvPicPr>
-        <p:blipFill>
-          <a:blip r:embed="rId2"/>
-          <a:stretch>
-            <a:fillRect/>
-          </a:stretch>
-        </p:blipFill>
-        <p:spPr>
-          <a:xfrm>
-            <a:off x="3923928" y="3695964"/>
-            <a:ext cx="1004960" cy="885164"/>
-          </a:xfrm>
-          <a:prstGeom prst="rect">
-            <a:avLst/>
-          </a:prstGeom>
-        </p:spPr>
-      </p:pic>
     </p:spTree>
-    <p:extLst>
-      <p:ext uri="{BB962C8B-B14F-4D97-AF65-F5344CB8AC3E}">
-        <p14:creationId xmlns:p14="http://schemas.microsoft.com/office/powerpoint/2010/main" val="3884324978"/>
-      </p:ext>
-    </p:extLst>
   </p:cSld>
   <p:clrMapOvr>
     <a:masterClrMapping/>
@@ -5887,7 +5872,7 @@
 </p:sld>
 </file>
 
-<file path=ppt/slides/slide16.xml><?xml version="1.0" encoding="utf-8"?>
+<file path=ppt/slides/slide2.xml><?xml version="1.0" encoding="utf-8"?>
 <p:sld xmlns:a="http://schemas.openxmlformats.org/drawingml/2006/main" xmlns:r="http://schemas.openxmlformats.org/officeDocument/2006/relationships" xmlns:p="http://schemas.openxmlformats.org/presentationml/2006/main">
   <p:cSld>
     <p:spTree>
@@ -5959,7 +5944,7 @@
                   <a:srgbClr val="FFFF00"/>
                 </a:solidFill>
               </a:rPr>
-              <a:t>8.9 Function</a:t>
+              <a:t>8 List, Tuple, and Dictionary</a:t>
             </a:r>
             <a:endParaRPr lang="zh-TW" altLang="en-US" b="1" dirty="0">
               <a:solidFill>
@@ -5981,8 +5966,8 @@
         </p:nvSpPr>
         <p:spPr>
           <a:xfrm>
-            <a:off x="467544" y="1268760"/>
-            <a:ext cx="8219256" cy="360040"/>
+            <a:off x="467544" y="1268759"/>
+            <a:ext cx="8219256" cy="1080121"/>
           </a:xfrm>
           <a:ln>
             <a:solidFill>
@@ -6010,7 +5995,34 @@
                   <a:schemeClr val="tx1"/>
                 </a:solidFill>
               </a:rPr>
-              <a:t>Function: Jupyter Notebook</a:t>
+              <a:t>List, Tuple, and Dictionary</a:t>
+            </a:r>
+          </a:p>
+          <a:p>
+            <a:pPr marL="342900" indent="-342900" algn="l">
+              <a:buClr>
+                <a:srgbClr val="0070C0"/>
+              </a:buClr>
+              <a:buSzPct val="80000"/>
+              <a:buFont typeface="Wingdings" pitchFamily="2" charset="2"/>
+              <a:buChar char="u"/>
+            </a:pPr>
+            <a:r>
+              <a:rPr lang="en-US" sz="1800" b="1" i="0" dirty="0">
+                <a:solidFill>
+                  <a:schemeClr val="tx1"/>
+                </a:solidFill>
+                <a:effectLst/>
+              </a:rPr>
+              <a:t>We discuss Python List, </a:t>
+            </a:r>
+            <a:r>
+              <a:rPr lang="en-US" sz="1800" b="1" dirty="0">
+                <a:solidFill>
+                  <a:schemeClr val="tx1"/>
+                </a:solidFill>
+              </a:rPr>
+              <a:t>Tuple, and Dictionary.</a:t>
             </a:r>
           </a:p>
         </p:txBody>
@@ -6092,1032 +6104,23 @@
       </p:sp>
       <p:sp>
         <p:nvSpPr>
-          <p:cNvPr id="6" name="投影片編號版面配置區 5"/>
-          <p:cNvSpPr>
-            <a:spLocks noGrp="1"/>
-          </p:cNvSpPr>
-          <p:nvPr>
-            <p:ph type="sldNum" sz="quarter" idx="12"/>
+          <p:cNvPr id="5" name="日期版面配置區 4"/>
+          <p:cNvSpPr>
+            <a:spLocks noGrp="1"/>
+          </p:cNvSpPr>
+          <p:nvPr>
+            <p:ph type="dt" sz="half" idx="10"/>
           </p:nvPr>
         </p:nvSpPr>
         <p:spPr/>
         <p:txBody>
           <a:bodyPr/>
           <a:lstStyle/>
-          <a:p>
-            <a:fld id="{E4D7E63D-91F2-4366-A2C4-1B00C9E2590E}" type="slidenum">
-              <a:rPr lang="zh-TW" altLang="en-US" smtClean="0"/>
-              <a:pPr/>
-              <a:t>16</a:t>
-            </a:fld>
-            <a:endParaRPr lang="zh-TW" altLang="en-US"/>
-          </a:p>
-        </p:txBody>
-      </p:sp>
-      <p:sp>
-        <p:nvSpPr>
-          <p:cNvPr id="9" name="日期版面配置區 4">
-            <a:extLst>
-              <a:ext uri="{FF2B5EF4-FFF2-40B4-BE49-F238E27FC236}">
-                <a16:creationId xmlns:a16="http://schemas.microsoft.com/office/drawing/2014/main" id="{1A19D94F-4934-4EB3-9E72-43DE0370F79E}"/>
-              </a:ext>
-            </a:extLst>
-          </p:cNvPr>
-          <p:cNvSpPr txBox="1">
-            <a:spLocks/>
-          </p:cNvSpPr>
-          <p:nvPr/>
-        </p:nvSpPr>
-        <p:spPr>
-          <a:xfrm>
-            <a:off x="611560" y="6356350"/>
-            <a:ext cx="2133600" cy="365125"/>
-          </a:xfrm>
-          <a:prstGeom prst="rect">
-            <a:avLst/>
-          </a:prstGeom>
-        </p:spPr>
-        <p:txBody>
-          <a:bodyPr vert="horz" lIns="91440" tIns="45720" rIns="91440" bIns="45720" rtlCol="0" anchor="ctr"/>
-          <a:lstStyle>
-            <a:defPPr>
-              <a:defRPr lang="zh-TW"/>
-            </a:defPPr>
-            <a:lvl1pPr marL="0" algn="l" defTabSz="914400" rtl="0" eaLnBrk="1" latinLnBrk="0" hangingPunct="1">
-              <a:defRPr sz="1200" kern="1200">
-                <a:solidFill>
-                  <a:schemeClr val="tx1"/>
-                </a:solidFill>
-                <a:latin typeface="+mn-lt"/>
-                <a:ea typeface="+mn-ea"/>
-                <a:cs typeface="+mn-cs"/>
-              </a:defRPr>
-            </a:lvl1pPr>
-            <a:lvl2pPr marL="457200" algn="l" defTabSz="914400" rtl="0" eaLnBrk="1" latinLnBrk="0" hangingPunct="1">
-              <a:defRPr sz="1800" kern="1200">
-                <a:solidFill>
-                  <a:schemeClr val="tx1"/>
-                </a:solidFill>
-                <a:latin typeface="+mn-lt"/>
-                <a:ea typeface="+mn-ea"/>
-                <a:cs typeface="+mn-cs"/>
-              </a:defRPr>
-            </a:lvl2pPr>
-            <a:lvl3pPr marL="914400" algn="l" defTabSz="914400" rtl="0" eaLnBrk="1" latinLnBrk="0" hangingPunct="1">
-              <a:defRPr sz="1800" kern="1200">
-                <a:solidFill>
-                  <a:schemeClr val="tx1"/>
-                </a:solidFill>
-                <a:latin typeface="+mn-lt"/>
-                <a:ea typeface="+mn-ea"/>
-                <a:cs typeface="+mn-cs"/>
-              </a:defRPr>
-            </a:lvl3pPr>
-            <a:lvl4pPr marL="1371600" algn="l" defTabSz="914400" rtl="0" eaLnBrk="1" latinLnBrk="0" hangingPunct="1">
-              <a:defRPr sz="1800" kern="1200">
-                <a:solidFill>
-                  <a:schemeClr val="tx1"/>
-                </a:solidFill>
-                <a:latin typeface="+mn-lt"/>
-                <a:ea typeface="+mn-ea"/>
-                <a:cs typeface="+mn-cs"/>
-              </a:defRPr>
-            </a:lvl4pPr>
-            <a:lvl5pPr marL="1828800" algn="l" defTabSz="914400" rtl="0" eaLnBrk="1" latinLnBrk="0" hangingPunct="1">
-              <a:defRPr sz="1800" kern="1200">
-                <a:solidFill>
-                  <a:schemeClr val="tx1"/>
-                </a:solidFill>
-                <a:latin typeface="+mn-lt"/>
-                <a:ea typeface="+mn-ea"/>
-                <a:cs typeface="+mn-cs"/>
-              </a:defRPr>
-            </a:lvl5pPr>
-            <a:lvl6pPr marL="2286000" algn="l" defTabSz="914400" rtl="0" eaLnBrk="1" latinLnBrk="0" hangingPunct="1">
-              <a:defRPr sz="1800" kern="1200">
-                <a:solidFill>
-                  <a:schemeClr val="tx1"/>
-                </a:solidFill>
-                <a:latin typeface="+mn-lt"/>
-                <a:ea typeface="+mn-ea"/>
-                <a:cs typeface="+mn-cs"/>
-              </a:defRPr>
-            </a:lvl6pPr>
-            <a:lvl7pPr marL="2743200" algn="l" defTabSz="914400" rtl="0" eaLnBrk="1" latinLnBrk="0" hangingPunct="1">
-              <a:defRPr sz="1800" kern="1200">
-                <a:solidFill>
-                  <a:schemeClr val="tx1"/>
-                </a:solidFill>
-                <a:latin typeface="+mn-lt"/>
-                <a:ea typeface="+mn-ea"/>
-                <a:cs typeface="+mn-cs"/>
-              </a:defRPr>
-            </a:lvl7pPr>
-            <a:lvl8pPr marL="3200400" algn="l" defTabSz="914400" rtl="0" eaLnBrk="1" latinLnBrk="0" hangingPunct="1">
-              <a:defRPr sz="1800" kern="1200">
-                <a:solidFill>
-                  <a:schemeClr val="tx1"/>
-                </a:solidFill>
-                <a:latin typeface="+mn-lt"/>
-                <a:ea typeface="+mn-ea"/>
-                <a:cs typeface="+mn-cs"/>
-              </a:defRPr>
-            </a:lvl8pPr>
-            <a:lvl9pPr marL="3657600" algn="l" defTabSz="914400" rtl="0" eaLnBrk="1" latinLnBrk="0" hangingPunct="1">
-              <a:defRPr sz="1800" kern="1200">
-                <a:solidFill>
-                  <a:schemeClr val="tx1"/>
-                </a:solidFill>
-                <a:latin typeface="+mn-lt"/>
-                <a:ea typeface="+mn-ea"/>
-                <a:cs typeface="+mn-cs"/>
-              </a:defRPr>
-            </a:lvl9pPr>
-          </a:lstStyle>
           <a:p>
             <a:fld id="{A4F910E6-8D00-4BAF-8C48-9688E0B449D3}" type="datetime1">
               <a:rPr lang="zh-TW" altLang="en-US" smtClean="0"/>
               <a:pPr/>
-              <a:t>2020/9/24</a:t>
-            </a:fld>
-            <a:endParaRPr lang="zh-TW" altLang="en-US" dirty="0"/>
-          </a:p>
-        </p:txBody>
-      </p:sp>
-      <p:pic>
-        <p:nvPicPr>
-          <p:cNvPr id="7" name="Picture 6">
-            <a:extLst>
-              <a:ext uri="{FF2B5EF4-FFF2-40B4-BE49-F238E27FC236}">
-                <a16:creationId xmlns:a16="http://schemas.microsoft.com/office/drawing/2014/main" id="{7FCDE122-9D0E-46C0-BD78-F9F9202F7112}"/>
-              </a:ext>
-            </a:extLst>
-          </p:cNvPr>
-          <p:cNvPicPr>
-            <a:picLocks noChangeAspect="1"/>
-          </p:cNvPicPr>
-          <p:nvPr/>
-        </p:nvPicPr>
-        <p:blipFill>
-          <a:blip r:embed="rId2"/>
-          <a:stretch>
-            <a:fillRect/>
-          </a:stretch>
-        </p:blipFill>
-        <p:spPr>
-          <a:xfrm>
-            <a:off x="2627784" y="1791642"/>
-            <a:ext cx="4714875" cy="3600450"/>
-          </a:xfrm>
-          <a:prstGeom prst="rect">
-            <a:avLst/>
-          </a:prstGeom>
-          <a:ln>
-            <a:solidFill>
-              <a:srgbClr val="C00000"/>
-            </a:solidFill>
-          </a:ln>
-        </p:spPr>
-      </p:pic>
-    </p:spTree>
-    <p:extLst>
-      <p:ext uri="{BB962C8B-B14F-4D97-AF65-F5344CB8AC3E}">
-        <p14:creationId xmlns:p14="http://schemas.microsoft.com/office/powerpoint/2010/main" val="2029154077"/>
-      </p:ext>
-    </p:extLst>
-  </p:cSld>
-  <p:clrMapOvr>
-    <a:masterClrMapping/>
-  </p:clrMapOvr>
-</p:sld>
-</file>
-
-<file path=ppt/slides/slide17.xml><?xml version="1.0" encoding="utf-8"?>
-<p:sld xmlns:a="http://schemas.openxmlformats.org/drawingml/2006/main" xmlns:r="http://schemas.openxmlformats.org/officeDocument/2006/relationships" xmlns:p="http://schemas.openxmlformats.org/presentationml/2006/main">
-  <p:cSld>
-    <p:spTree>
-      <p:nvGrpSpPr>
-        <p:cNvPr id="1" name=""/>
-        <p:cNvGrpSpPr/>
-        <p:nvPr/>
-      </p:nvGrpSpPr>
-      <p:grpSpPr>
-        <a:xfrm>
-          <a:off x="0" y="0"/>
-          <a:ext cx="0" cy="0"/>
-          <a:chOff x="0" y="0"/>
-          <a:chExt cx="0" cy="0"/>
-        </a:xfrm>
-      </p:grpSpPr>
-      <p:sp>
-        <p:nvSpPr>
-          <p:cNvPr id="2" name="標題 1"/>
-          <p:cNvSpPr>
-            <a:spLocks noGrp="1"/>
-          </p:cNvSpPr>
-          <p:nvPr>
-            <p:ph type="ctrTitle"/>
-          </p:nvPr>
-        </p:nvSpPr>
-        <p:spPr>
-          <a:xfrm>
-            <a:off x="0" y="1"/>
-            <a:ext cx="9144000" cy="764704"/>
-          </a:xfrm>
-          <a:gradFill flip="none" rotWithShape="1">
-            <a:gsLst>
-              <a:gs pos="0">
-                <a:srgbClr val="C00000">
-                  <a:shade val="30000"/>
-                  <a:satMod val="115000"/>
-                </a:srgbClr>
-              </a:gs>
-              <a:gs pos="50000">
-                <a:srgbClr val="C00000">
-                  <a:shade val="67500"/>
-                  <a:satMod val="115000"/>
-                </a:srgbClr>
-              </a:gs>
-              <a:gs pos="100000">
-                <a:srgbClr val="C00000">
-                  <a:shade val="100000"/>
-                  <a:satMod val="115000"/>
-                </a:srgbClr>
-              </a:gs>
-            </a:gsLst>
-            <a:path path="circle">
-              <a:fillToRect t="100000" r="100000"/>
-            </a:path>
-            <a:tileRect l="-100000" b="-100000"/>
-          </a:gradFill>
-        </p:spPr>
-        <p:txBody>
-          <a:bodyPr>
-            <a:normAutofit/>
-          </a:bodyPr>
-          <a:lstStyle/>
-          <a:p>
-            <a:pPr algn="l"/>
-            <a:r>
-              <a:rPr lang="en-US" altLang="zh-TW" sz="4400" b="1" dirty="0">
-                <a:solidFill>
-                  <a:srgbClr val="FFFF00"/>
-                </a:solidFill>
-              </a:rPr>
-              <a:t>8.9 Function</a:t>
-            </a:r>
-            <a:endParaRPr lang="zh-TW" altLang="en-US" b="1" dirty="0">
-              <a:solidFill>
-                <a:srgbClr val="FFFF00"/>
-              </a:solidFill>
-            </a:endParaRPr>
-          </a:p>
-        </p:txBody>
-      </p:sp>
-      <p:sp>
-        <p:nvSpPr>
-          <p:cNvPr id="3" name="副標題 2"/>
-          <p:cNvSpPr>
-            <a:spLocks noGrp="1"/>
-          </p:cNvSpPr>
-          <p:nvPr>
-            <p:ph type="subTitle" idx="1"/>
-          </p:nvPr>
-        </p:nvSpPr>
-        <p:spPr>
-          <a:xfrm>
-            <a:off x="467544" y="1268760"/>
-            <a:ext cx="8219256" cy="360040"/>
-          </a:xfrm>
-          <a:ln>
-            <a:solidFill>
-              <a:srgbClr val="C00000"/>
-            </a:solidFill>
-          </a:ln>
-        </p:spPr>
-        <p:txBody>
-          <a:bodyPr>
-            <a:noAutofit/>
-          </a:bodyPr>
-          <a:lstStyle/>
-          <a:p>
-            <a:pPr marL="342900" indent="-342900" algn="l">
-              <a:buClr>
-                <a:srgbClr val="0070C0"/>
-              </a:buClr>
-              <a:buSzPct val="80000"/>
-              <a:buFont typeface="Wingdings" pitchFamily="2" charset="2"/>
-              <a:buChar char="u"/>
-            </a:pPr>
-            <a:r>
-              <a:rPr lang="en-US" sz="1800" b="1" dirty="0">
-                <a:solidFill>
-                  <a:schemeClr val="tx1"/>
-                </a:solidFill>
-              </a:rPr>
-              <a:t>Lists: Python Anaconda Prompt</a:t>
-            </a:r>
-          </a:p>
-        </p:txBody>
-      </p:sp>
-      <p:sp>
-        <p:nvSpPr>
-          <p:cNvPr id="4" name="標題 1"/>
-          <p:cNvSpPr txBox="1">
-            <a:spLocks/>
-          </p:cNvSpPr>
-          <p:nvPr/>
-        </p:nvSpPr>
-        <p:spPr>
-          <a:xfrm>
-            <a:off x="0" y="764704"/>
-            <a:ext cx="9144000" cy="360040"/>
-          </a:xfrm>
-          <a:prstGeom prst="rect">
-            <a:avLst/>
-          </a:prstGeom>
-          <a:gradFill flip="none" rotWithShape="1">
-            <a:gsLst>
-              <a:gs pos="0">
-                <a:srgbClr val="00B0F0">
-                  <a:shade val="30000"/>
-                  <a:satMod val="115000"/>
-                </a:srgbClr>
-              </a:gs>
-              <a:gs pos="50000">
-                <a:srgbClr val="00B0F0">
-                  <a:shade val="67500"/>
-                  <a:satMod val="115000"/>
-                </a:srgbClr>
-              </a:gs>
-              <a:gs pos="100000">
-                <a:srgbClr val="00B0F0">
-                  <a:shade val="100000"/>
-                  <a:satMod val="115000"/>
-                </a:srgbClr>
-              </a:gs>
-            </a:gsLst>
-            <a:path path="circle">
-              <a:fillToRect t="100000" r="100000"/>
-            </a:path>
-            <a:tileRect l="-100000" b="-100000"/>
-          </a:gradFill>
-        </p:spPr>
-        <p:txBody>
-          <a:bodyPr vert="horz" lIns="91440" tIns="45720" rIns="91440" bIns="45720" rtlCol="0" anchor="ctr">
-            <a:normAutofit/>
-          </a:bodyPr>
-          <a:lstStyle/>
-          <a:p>
-            <a:pPr lvl="0">
-              <a:spcBef>
-                <a:spcPct val="0"/>
-              </a:spcBef>
-            </a:pPr>
-            <a:r>
-              <a:rPr lang="en-US" sz="1600" dirty="0"/>
-              <a:t>https://github.com/peterhchen/900_Python_ML_DS_DL</a:t>
-            </a:r>
-            <a:endParaRPr kumimoji="0" lang="zh-TW" altLang="en-US" sz="1600" b="0" i="0" u="none" strike="noStrike" kern="1200" cap="none" spc="0" normalizeH="0" baseline="0" noProof="0" dirty="0">
-              <a:ln>
-                <a:noFill/>
-              </a:ln>
-              <a:solidFill>
-                <a:schemeClr val="tx1"/>
-              </a:solidFill>
-              <a:effectLst/>
-              <a:uLnTx/>
-              <a:uFillTx/>
-              <a:latin typeface="+mj-lt"/>
-              <a:ea typeface="+mj-ea"/>
-              <a:cs typeface="+mj-cs"/>
-            </a:endParaRPr>
-          </a:p>
-        </p:txBody>
-      </p:sp>
-      <p:sp>
-        <p:nvSpPr>
-          <p:cNvPr id="6" name="投影片編號版面配置區 5"/>
-          <p:cNvSpPr>
-            <a:spLocks noGrp="1"/>
-          </p:cNvSpPr>
-          <p:nvPr>
-            <p:ph type="sldNum" sz="quarter" idx="12"/>
-          </p:nvPr>
-        </p:nvSpPr>
-        <p:spPr/>
-        <p:txBody>
-          <a:bodyPr/>
-          <a:lstStyle/>
-          <a:p>
-            <a:fld id="{E4D7E63D-91F2-4366-A2C4-1B00C9E2590E}" type="slidenum">
-              <a:rPr lang="zh-TW" altLang="en-US" smtClean="0"/>
-              <a:pPr/>
-              <a:t>17</a:t>
-            </a:fld>
-            <a:endParaRPr lang="zh-TW" altLang="en-US"/>
-          </a:p>
-        </p:txBody>
-      </p:sp>
-      <p:sp>
-        <p:nvSpPr>
-          <p:cNvPr id="9" name="日期版面配置區 4">
-            <a:extLst>
-              <a:ext uri="{FF2B5EF4-FFF2-40B4-BE49-F238E27FC236}">
-                <a16:creationId xmlns:a16="http://schemas.microsoft.com/office/drawing/2014/main" id="{1A19D94F-4934-4EB3-9E72-43DE0370F79E}"/>
-              </a:ext>
-            </a:extLst>
-          </p:cNvPr>
-          <p:cNvSpPr txBox="1">
-            <a:spLocks/>
-          </p:cNvSpPr>
-          <p:nvPr/>
-        </p:nvSpPr>
-        <p:spPr>
-          <a:xfrm>
-            <a:off x="611560" y="6356350"/>
-            <a:ext cx="2133600" cy="365125"/>
-          </a:xfrm>
-          <a:prstGeom prst="rect">
-            <a:avLst/>
-          </a:prstGeom>
-        </p:spPr>
-        <p:txBody>
-          <a:bodyPr vert="horz" lIns="91440" tIns="45720" rIns="91440" bIns="45720" rtlCol="0" anchor="ctr"/>
-          <a:lstStyle>
-            <a:defPPr>
-              <a:defRPr lang="zh-TW"/>
-            </a:defPPr>
-            <a:lvl1pPr marL="0" algn="l" defTabSz="914400" rtl="0" eaLnBrk="1" latinLnBrk="0" hangingPunct="1">
-              <a:defRPr sz="1200" kern="1200">
-                <a:solidFill>
-                  <a:schemeClr val="tx1"/>
-                </a:solidFill>
-                <a:latin typeface="+mn-lt"/>
-                <a:ea typeface="+mn-ea"/>
-                <a:cs typeface="+mn-cs"/>
-              </a:defRPr>
-            </a:lvl1pPr>
-            <a:lvl2pPr marL="457200" algn="l" defTabSz="914400" rtl="0" eaLnBrk="1" latinLnBrk="0" hangingPunct="1">
-              <a:defRPr sz="1800" kern="1200">
-                <a:solidFill>
-                  <a:schemeClr val="tx1"/>
-                </a:solidFill>
-                <a:latin typeface="+mn-lt"/>
-                <a:ea typeface="+mn-ea"/>
-                <a:cs typeface="+mn-cs"/>
-              </a:defRPr>
-            </a:lvl2pPr>
-            <a:lvl3pPr marL="914400" algn="l" defTabSz="914400" rtl="0" eaLnBrk="1" latinLnBrk="0" hangingPunct="1">
-              <a:defRPr sz="1800" kern="1200">
-                <a:solidFill>
-                  <a:schemeClr val="tx1"/>
-                </a:solidFill>
-                <a:latin typeface="+mn-lt"/>
-                <a:ea typeface="+mn-ea"/>
-                <a:cs typeface="+mn-cs"/>
-              </a:defRPr>
-            </a:lvl3pPr>
-            <a:lvl4pPr marL="1371600" algn="l" defTabSz="914400" rtl="0" eaLnBrk="1" latinLnBrk="0" hangingPunct="1">
-              <a:defRPr sz="1800" kern="1200">
-                <a:solidFill>
-                  <a:schemeClr val="tx1"/>
-                </a:solidFill>
-                <a:latin typeface="+mn-lt"/>
-                <a:ea typeface="+mn-ea"/>
-                <a:cs typeface="+mn-cs"/>
-              </a:defRPr>
-            </a:lvl4pPr>
-            <a:lvl5pPr marL="1828800" algn="l" defTabSz="914400" rtl="0" eaLnBrk="1" latinLnBrk="0" hangingPunct="1">
-              <a:defRPr sz="1800" kern="1200">
-                <a:solidFill>
-                  <a:schemeClr val="tx1"/>
-                </a:solidFill>
-                <a:latin typeface="+mn-lt"/>
-                <a:ea typeface="+mn-ea"/>
-                <a:cs typeface="+mn-cs"/>
-              </a:defRPr>
-            </a:lvl5pPr>
-            <a:lvl6pPr marL="2286000" algn="l" defTabSz="914400" rtl="0" eaLnBrk="1" latinLnBrk="0" hangingPunct="1">
-              <a:defRPr sz="1800" kern="1200">
-                <a:solidFill>
-                  <a:schemeClr val="tx1"/>
-                </a:solidFill>
-                <a:latin typeface="+mn-lt"/>
-                <a:ea typeface="+mn-ea"/>
-                <a:cs typeface="+mn-cs"/>
-              </a:defRPr>
-            </a:lvl6pPr>
-            <a:lvl7pPr marL="2743200" algn="l" defTabSz="914400" rtl="0" eaLnBrk="1" latinLnBrk="0" hangingPunct="1">
-              <a:defRPr sz="1800" kern="1200">
-                <a:solidFill>
-                  <a:schemeClr val="tx1"/>
-                </a:solidFill>
-                <a:latin typeface="+mn-lt"/>
-                <a:ea typeface="+mn-ea"/>
-                <a:cs typeface="+mn-cs"/>
-              </a:defRPr>
-            </a:lvl7pPr>
-            <a:lvl8pPr marL="3200400" algn="l" defTabSz="914400" rtl="0" eaLnBrk="1" latinLnBrk="0" hangingPunct="1">
-              <a:defRPr sz="1800" kern="1200">
-                <a:solidFill>
-                  <a:schemeClr val="tx1"/>
-                </a:solidFill>
-                <a:latin typeface="+mn-lt"/>
-                <a:ea typeface="+mn-ea"/>
-                <a:cs typeface="+mn-cs"/>
-              </a:defRPr>
-            </a:lvl8pPr>
-            <a:lvl9pPr marL="3657600" algn="l" defTabSz="914400" rtl="0" eaLnBrk="1" latinLnBrk="0" hangingPunct="1">
-              <a:defRPr sz="1800" kern="1200">
-                <a:solidFill>
-                  <a:schemeClr val="tx1"/>
-                </a:solidFill>
-                <a:latin typeface="+mn-lt"/>
-                <a:ea typeface="+mn-ea"/>
-                <a:cs typeface="+mn-cs"/>
-              </a:defRPr>
-            </a:lvl9pPr>
-          </a:lstStyle>
-          <a:p>
-            <a:fld id="{A4F910E6-8D00-4BAF-8C48-9688E0B449D3}" type="datetime1">
-              <a:rPr lang="zh-TW" altLang="en-US" smtClean="0"/>
-              <a:pPr/>
-              <a:t>2020/9/24</a:t>
-            </a:fld>
-            <a:endParaRPr lang="zh-TW" altLang="en-US" dirty="0"/>
-          </a:p>
-        </p:txBody>
-      </p:sp>
-      <p:pic>
-        <p:nvPicPr>
-          <p:cNvPr id="5" name="Picture 4">
-            <a:extLst>
-              <a:ext uri="{FF2B5EF4-FFF2-40B4-BE49-F238E27FC236}">
-                <a16:creationId xmlns:a16="http://schemas.microsoft.com/office/drawing/2014/main" id="{F9975590-5563-4181-931E-E0E54572AF0A}"/>
-              </a:ext>
-            </a:extLst>
-          </p:cNvPr>
-          <p:cNvPicPr>
-            <a:picLocks noChangeAspect="1"/>
-          </p:cNvPicPr>
-          <p:nvPr/>
-        </p:nvPicPr>
-        <p:blipFill>
-          <a:blip r:embed="rId2"/>
-          <a:stretch>
-            <a:fillRect/>
-          </a:stretch>
-        </p:blipFill>
-        <p:spPr>
-          <a:xfrm>
-            <a:off x="641220" y="1742208"/>
-            <a:ext cx="4324350" cy="3276600"/>
-          </a:xfrm>
-          <a:prstGeom prst="rect">
-            <a:avLst/>
-          </a:prstGeom>
-          <a:ln>
-            <a:solidFill>
-              <a:srgbClr val="C00000"/>
-            </a:solidFill>
-          </a:ln>
-        </p:spPr>
-      </p:pic>
-      <p:pic>
-        <p:nvPicPr>
-          <p:cNvPr id="7" name="Picture 6">
-            <a:extLst>
-              <a:ext uri="{FF2B5EF4-FFF2-40B4-BE49-F238E27FC236}">
-                <a16:creationId xmlns:a16="http://schemas.microsoft.com/office/drawing/2014/main" id="{6CD94B2C-B977-4311-B4ED-EC6291C2D058}"/>
-              </a:ext>
-            </a:extLst>
-          </p:cNvPr>
-          <p:cNvPicPr>
-            <a:picLocks noChangeAspect="1"/>
-          </p:cNvPicPr>
-          <p:nvPr/>
-        </p:nvPicPr>
-        <p:blipFill>
-          <a:blip r:embed="rId3"/>
-          <a:stretch>
-            <a:fillRect/>
-          </a:stretch>
-        </p:blipFill>
-        <p:spPr>
-          <a:xfrm>
-            <a:off x="5153025" y="1803410"/>
-            <a:ext cx="2800350" cy="895350"/>
-          </a:xfrm>
-          <a:prstGeom prst="rect">
-            <a:avLst/>
-          </a:prstGeom>
-          <a:ln>
-            <a:solidFill>
-              <a:srgbClr val="C00000"/>
-            </a:solidFill>
-          </a:ln>
-        </p:spPr>
-      </p:pic>
-    </p:spTree>
-    <p:extLst>
-      <p:ext uri="{BB962C8B-B14F-4D97-AF65-F5344CB8AC3E}">
-        <p14:creationId xmlns:p14="http://schemas.microsoft.com/office/powerpoint/2010/main" val="1346489804"/>
-      </p:ext>
-    </p:extLst>
-  </p:cSld>
-  <p:clrMapOvr>
-    <a:masterClrMapping/>
-  </p:clrMapOvr>
-</p:sld>
-</file>
-
-<file path=ppt/slides/slide18.xml><?xml version="1.0" encoding="utf-8"?>
-<p:sld xmlns:a="http://schemas.openxmlformats.org/drawingml/2006/main" xmlns:r="http://schemas.openxmlformats.org/officeDocument/2006/relationships" xmlns:p="http://schemas.openxmlformats.org/presentationml/2006/main">
-  <p:cSld>
-    <p:spTree>
-      <p:nvGrpSpPr>
-        <p:cNvPr id="1" name=""/>
-        <p:cNvGrpSpPr/>
-        <p:nvPr/>
-      </p:nvGrpSpPr>
-      <p:grpSpPr>
-        <a:xfrm>
-          <a:off x="0" y="0"/>
-          <a:ext cx="0" cy="0"/>
-          <a:chOff x="0" y="0"/>
-          <a:chExt cx="0" cy="0"/>
-        </a:xfrm>
-      </p:grpSpPr>
-      <p:sp>
-        <p:nvSpPr>
-          <p:cNvPr id="2" name="標題 1"/>
-          <p:cNvSpPr>
-            <a:spLocks noGrp="1"/>
-          </p:cNvSpPr>
-          <p:nvPr>
-            <p:ph type="ctrTitle"/>
-          </p:nvPr>
-        </p:nvSpPr>
-        <p:spPr>
-          <a:xfrm>
-            <a:off x="0" y="2130425"/>
-            <a:ext cx="9144000" cy="1470025"/>
-          </a:xfrm>
-          <a:gradFill flip="none" rotWithShape="1">
-            <a:gsLst>
-              <a:gs pos="0">
-                <a:srgbClr val="00B0F0">
-                  <a:shade val="30000"/>
-                  <a:satMod val="115000"/>
-                </a:srgbClr>
-              </a:gs>
-              <a:gs pos="50000">
-                <a:srgbClr val="00B0F0">
-                  <a:shade val="67500"/>
-                  <a:satMod val="115000"/>
-                </a:srgbClr>
-              </a:gs>
-              <a:gs pos="100000">
-                <a:srgbClr val="00B0F0">
-                  <a:shade val="100000"/>
-                  <a:satMod val="115000"/>
-                </a:srgbClr>
-              </a:gs>
-            </a:gsLst>
-            <a:path path="circle">
-              <a:fillToRect t="100000" r="100000"/>
-            </a:path>
-            <a:tileRect l="-100000" b="-100000"/>
-          </a:gradFill>
-        </p:spPr>
-        <p:txBody>
-          <a:bodyPr>
-            <a:normAutofit/>
-          </a:bodyPr>
-          <a:lstStyle/>
-          <a:p>
-            <a:r>
-              <a:rPr lang="en-US" altLang="zh-TW" sz="6000" b="1" dirty="0">
-                <a:solidFill>
-                  <a:srgbClr val="FFFF00"/>
-                </a:solidFill>
-              </a:rPr>
-              <a:t>End of Chapter</a:t>
-            </a:r>
-            <a:endParaRPr lang="zh-TW" altLang="en-US" sz="6000" b="1" dirty="0">
-              <a:solidFill>
-                <a:srgbClr val="FFFF00"/>
-              </a:solidFill>
-            </a:endParaRPr>
-          </a:p>
-        </p:txBody>
-      </p:sp>
-      <p:sp>
-        <p:nvSpPr>
-          <p:cNvPr id="5" name="日期版面配置區 4"/>
-          <p:cNvSpPr>
-            <a:spLocks noGrp="1"/>
-          </p:cNvSpPr>
-          <p:nvPr>
-            <p:ph type="dt" sz="half" idx="10"/>
-          </p:nvPr>
-        </p:nvSpPr>
-        <p:spPr/>
-        <p:txBody>
-          <a:bodyPr/>
-          <a:lstStyle/>
-          <a:p>
-            <a:fld id="{4E46BE27-E923-4EC2-B046-3272AE2A3E5C}" type="datetime1">
-              <a:rPr lang="zh-TW" altLang="en-US" smtClean="0"/>
-              <a:pPr/>
-              <a:t>2020/9/24</a:t>
-            </a:fld>
-            <a:endParaRPr lang="zh-TW" altLang="en-US"/>
-          </a:p>
-        </p:txBody>
-      </p:sp>
-      <p:sp>
-        <p:nvSpPr>
-          <p:cNvPr id="6" name="投影片編號版面配置區 5"/>
-          <p:cNvSpPr>
-            <a:spLocks noGrp="1"/>
-          </p:cNvSpPr>
-          <p:nvPr>
-            <p:ph type="sldNum" sz="quarter" idx="12"/>
-          </p:nvPr>
-        </p:nvSpPr>
-        <p:spPr/>
-        <p:txBody>
-          <a:bodyPr/>
-          <a:lstStyle/>
-          <a:p>
-            <a:fld id="{E4D7E63D-91F2-4366-A2C4-1B00C9E2590E}" type="slidenum">
-              <a:rPr lang="zh-TW" altLang="en-US" smtClean="0"/>
-              <a:pPr/>
-              <a:t>18</a:t>
-            </a:fld>
-            <a:endParaRPr lang="zh-TW" altLang="en-US"/>
-          </a:p>
-        </p:txBody>
-      </p:sp>
-    </p:spTree>
-  </p:cSld>
-  <p:clrMapOvr>
-    <a:masterClrMapping/>
-  </p:clrMapOvr>
-</p:sld>
-</file>
-
-<file path=ppt/slides/slide2.xml><?xml version="1.0" encoding="utf-8"?>
-<p:sld xmlns:a="http://schemas.openxmlformats.org/drawingml/2006/main" xmlns:r="http://schemas.openxmlformats.org/officeDocument/2006/relationships" xmlns:p="http://schemas.openxmlformats.org/presentationml/2006/main">
-  <p:cSld>
-    <p:spTree>
-      <p:nvGrpSpPr>
-        <p:cNvPr id="1" name=""/>
-        <p:cNvGrpSpPr/>
-        <p:nvPr/>
-      </p:nvGrpSpPr>
-      <p:grpSpPr>
-        <a:xfrm>
-          <a:off x="0" y="0"/>
-          <a:ext cx="0" cy="0"/>
-          <a:chOff x="0" y="0"/>
-          <a:chExt cx="0" cy="0"/>
-        </a:xfrm>
-      </p:grpSpPr>
-      <p:sp>
-        <p:nvSpPr>
-          <p:cNvPr id="2" name="標題 1"/>
-          <p:cNvSpPr>
-            <a:spLocks noGrp="1"/>
-          </p:cNvSpPr>
-          <p:nvPr>
-            <p:ph type="ctrTitle"/>
-          </p:nvPr>
-        </p:nvSpPr>
-        <p:spPr>
-          <a:xfrm>
-            <a:off x="0" y="1"/>
-            <a:ext cx="9144000" cy="764704"/>
-          </a:xfrm>
-          <a:gradFill flip="none" rotWithShape="1">
-            <a:gsLst>
-              <a:gs pos="0">
-                <a:srgbClr val="C00000">
-                  <a:shade val="30000"/>
-                  <a:satMod val="115000"/>
-                </a:srgbClr>
-              </a:gs>
-              <a:gs pos="50000">
-                <a:srgbClr val="C00000">
-                  <a:shade val="67500"/>
-                  <a:satMod val="115000"/>
-                </a:srgbClr>
-              </a:gs>
-              <a:gs pos="100000">
-                <a:srgbClr val="C00000">
-                  <a:shade val="100000"/>
-                  <a:satMod val="115000"/>
-                </a:srgbClr>
-              </a:gs>
-            </a:gsLst>
-            <a:path path="circle">
-              <a:fillToRect t="100000" r="100000"/>
-            </a:path>
-            <a:tileRect l="-100000" b="-100000"/>
-          </a:gradFill>
-        </p:spPr>
-        <p:txBody>
-          <a:bodyPr>
-            <a:normAutofit/>
-          </a:bodyPr>
-          <a:lstStyle/>
-          <a:p>
-            <a:pPr algn="l"/>
-            <a:r>
-              <a:rPr lang="en-US" altLang="zh-TW" sz="4400" b="1" dirty="0">
-                <a:solidFill>
-                  <a:srgbClr val="FFFF00"/>
-                </a:solidFill>
-              </a:rPr>
-              <a:t>8 List, Tuple, and Dictionary</a:t>
-            </a:r>
-            <a:endParaRPr lang="zh-TW" altLang="en-US" b="1" dirty="0">
-              <a:solidFill>
-                <a:srgbClr val="FFFF00"/>
-              </a:solidFill>
-            </a:endParaRPr>
-          </a:p>
-        </p:txBody>
-      </p:sp>
-      <p:sp>
-        <p:nvSpPr>
-          <p:cNvPr id="3" name="副標題 2"/>
-          <p:cNvSpPr>
-            <a:spLocks noGrp="1"/>
-          </p:cNvSpPr>
-          <p:nvPr>
-            <p:ph type="subTitle" idx="1"/>
-          </p:nvPr>
-        </p:nvSpPr>
-        <p:spPr>
-          <a:xfrm>
-            <a:off x="467544" y="1268759"/>
-            <a:ext cx="8219256" cy="1080121"/>
-          </a:xfrm>
-          <a:ln>
-            <a:solidFill>
-              <a:srgbClr val="C00000"/>
-            </a:solidFill>
-          </a:ln>
-        </p:spPr>
-        <p:txBody>
-          <a:bodyPr>
-            <a:noAutofit/>
-          </a:bodyPr>
-          <a:lstStyle/>
-          <a:p>
-            <a:pPr marL="342900" indent="-342900" algn="l">
-              <a:buClr>
-                <a:srgbClr val="0070C0"/>
-              </a:buClr>
-              <a:buSzPct val="80000"/>
-              <a:buFont typeface="Wingdings" pitchFamily="2" charset="2"/>
-              <a:buChar char="u"/>
-            </a:pPr>
-            <a:r>
-              <a:rPr lang="en-US" sz="1800" b="1" dirty="0">
-                <a:solidFill>
-                  <a:schemeClr val="tx1"/>
-                </a:solidFill>
-              </a:rPr>
-              <a:t>List, Tuple, and Dictionary</a:t>
-            </a:r>
-          </a:p>
-          <a:p>
-            <a:pPr marL="342900" indent="-342900" algn="l">
-              <a:buClr>
-                <a:srgbClr val="0070C0"/>
-              </a:buClr>
-              <a:buSzPct val="80000"/>
-              <a:buFont typeface="Wingdings" pitchFamily="2" charset="2"/>
-              <a:buChar char="u"/>
-            </a:pPr>
-            <a:r>
-              <a:rPr lang="en-US" sz="1800" b="1" i="0" dirty="0">
-                <a:solidFill>
-                  <a:schemeClr val="tx1"/>
-                </a:solidFill>
-                <a:effectLst/>
-              </a:rPr>
-              <a:t>We discuss Python List, </a:t>
-            </a:r>
-            <a:r>
-              <a:rPr lang="en-US" sz="1800" b="1" dirty="0">
-                <a:solidFill>
-                  <a:schemeClr val="tx1"/>
-                </a:solidFill>
-              </a:rPr>
-              <a:t>Tuple, and Dictionary.</a:t>
-            </a:r>
-          </a:p>
-        </p:txBody>
-      </p:sp>
-      <p:sp>
-        <p:nvSpPr>
-          <p:cNvPr id="4" name="標題 1"/>
-          <p:cNvSpPr txBox="1">
-            <a:spLocks/>
-          </p:cNvSpPr>
-          <p:nvPr/>
-        </p:nvSpPr>
-        <p:spPr>
-          <a:xfrm>
-            <a:off x="0" y="764704"/>
-            <a:ext cx="9144000" cy="360040"/>
-          </a:xfrm>
-          <a:prstGeom prst="rect">
-            <a:avLst/>
-          </a:prstGeom>
-          <a:gradFill flip="none" rotWithShape="1">
-            <a:gsLst>
-              <a:gs pos="0">
-                <a:srgbClr val="00B0F0">
-                  <a:shade val="30000"/>
-                  <a:satMod val="115000"/>
-                </a:srgbClr>
-              </a:gs>
-              <a:gs pos="50000">
-                <a:srgbClr val="00B0F0">
-                  <a:shade val="67500"/>
-                  <a:satMod val="115000"/>
-                </a:srgbClr>
-              </a:gs>
-              <a:gs pos="100000">
-                <a:srgbClr val="00B0F0">
-                  <a:shade val="100000"/>
-                  <a:satMod val="115000"/>
-                </a:srgbClr>
-              </a:gs>
-            </a:gsLst>
-            <a:path path="circle">
-              <a:fillToRect t="100000" r="100000"/>
-            </a:path>
-            <a:tileRect l="-100000" b="-100000"/>
-          </a:gradFill>
-        </p:spPr>
-        <p:txBody>
-          <a:bodyPr vert="horz" lIns="91440" tIns="45720" rIns="91440" bIns="45720" rtlCol="0" anchor="ctr">
-            <a:normAutofit/>
-          </a:bodyPr>
-          <a:lstStyle/>
-          <a:p>
-            <a:pPr lvl="0">
-              <a:spcBef>
-                <a:spcPct val="0"/>
-              </a:spcBef>
-            </a:pPr>
-            <a:r>
-              <a:rPr lang="en-US" sz="1600" dirty="0"/>
-              <a:t>https://github.com/peterhchen/900_Python_ML_DS_DL</a:t>
-            </a:r>
-            <a:endParaRPr kumimoji="0" lang="zh-TW" altLang="en-US" sz="1600" b="0" i="0" u="none" strike="noStrike" kern="1200" cap="none" spc="0" normalizeH="0" baseline="0" noProof="0" dirty="0">
-              <a:ln>
-                <a:noFill/>
-              </a:ln>
-              <a:solidFill>
-                <a:schemeClr val="tx1"/>
-              </a:solidFill>
-              <a:effectLst/>
-              <a:uLnTx/>
-              <a:uFillTx/>
-              <a:latin typeface="+mj-lt"/>
-              <a:ea typeface="+mj-ea"/>
-              <a:cs typeface="+mj-cs"/>
-            </a:endParaRPr>
-          </a:p>
-        </p:txBody>
-      </p:sp>
-      <p:sp>
-        <p:nvSpPr>
-          <p:cNvPr id="5" name="日期版面配置區 4"/>
-          <p:cNvSpPr>
-            <a:spLocks noGrp="1"/>
-          </p:cNvSpPr>
-          <p:nvPr>
-            <p:ph type="dt" sz="half" idx="10"/>
-          </p:nvPr>
-        </p:nvSpPr>
-        <p:spPr/>
-        <p:txBody>
-          <a:bodyPr/>
-          <a:lstStyle/>
-          <a:p>
-            <a:fld id="{A4F910E6-8D00-4BAF-8C48-9688E0B449D3}" type="datetime1">
-              <a:rPr lang="zh-TW" altLang="en-US" smtClean="0"/>
-              <a:pPr/>
-              <a:t>2020/9/24</a:t>
+              <a:t>2020/9/25</a:t>
             </a:fld>
             <a:endParaRPr lang="zh-TW" altLang="en-US"/>
           </a:p>
@@ -7231,7 +6234,7 @@
             <a:fld id="{C389EDC9-19E3-47AC-9C57-C6A24DEA81AD}" type="datetime1">
               <a:rPr lang="zh-TW" altLang="en-US" smtClean="0"/>
               <a:pPr/>
-              <a:t>2020/9/24</a:t>
+              <a:t>2020/9/25</a:t>
             </a:fld>
             <a:endParaRPr lang="zh-TW" altLang="en-US"/>
           </a:p>
@@ -7673,7 +6676,7 @@
             <a:fld id="{A4F910E6-8D00-4BAF-8C48-9688E0B449D3}" type="datetime1">
               <a:rPr lang="zh-TW" altLang="en-US" smtClean="0"/>
               <a:pPr/>
-              <a:t>2020/9/24</a:t>
+              <a:t>2020/9/25</a:t>
             </a:fld>
             <a:endParaRPr lang="zh-TW" altLang="en-US" dirty="0"/>
           </a:p>
@@ -8113,7 +7116,7 @@
             <a:fld id="{A4F910E6-8D00-4BAF-8C48-9688E0B449D3}" type="datetime1">
               <a:rPr lang="zh-TW" altLang="en-US" smtClean="0"/>
               <a:pPr/>
-              <a:t>2020/9/24</a:t>
+              <a:t>2020/9/25</a:t>
             </a:fld>
             <a:endParaRPr lang="zh-TW" altLang="en-US" dirty="0"/>
           </a:p>
@@ -8553,7 +7556,7 @@
             <a:fld id="{A4F910E6-8D00-4BAF-8C48-9688E0B449D3}" type="datetime1">
               <a:rPr lang="zh-TW" altLang="en-US" smtClean="0"/>
               <a:pPr/>
-              <a:t>2020/9/24</a:t>
+              <a:t>2020/9/25</a:t>
             </a:fld>
             <a:endParaRPr lang="zh-TW" altLang="en-US" dirty="0"/>
           </a:p>
@@ -8683,7 +7686,7 @@
             <a:fld id="{C389EDC9-19E3-47AC-9C57-C6A24DEA81AD}" type="datetime1">
               <a:rPr lang="zh-TW" altLang="en-US" smtClean="0"/>
               <a:pPr/>
-              <a:t>2020/9/24</a:t>
+              <a:t>2020/9/25</a:t>
             </a:fld>
             <a:endParaRPr lang="zh-TW" altLang="en-US"/>
           </a:p>
@@ -9192,7 +8195,7 @@
             <a:fld id="{A4F910E6-8D00-4BAF-8C48-9688E0B449D3}" type="datetime1">
               <a:rPr lang="zh-TW" altLang="en-US" smtClean="0"/>
               <a:pPr/>
-              <a:t>2020/9/24</a:t>
+              <a:t>2020/9/25</a:t>
             </a:fld>
             <a:endParaRPr lang="zh-TW" altLang="en-US" dirty="0"/>
           </a:p>
@@ -9580,7 +8583,7 @@
             <a:fld id="{A4F910E6-8D00-4BAF-8C48-9688E0B449D3}" type="datetime1">
               <a:rPr lang="zh-TW" altLang="en-US" smtClean="0"/>
               <a:pPr/>
-              <a:t>2020/9/24</a:t>
+              <a:t>2020/9/25</a:t>
             </a:fld>
             <a:endParaRPr lang="zh-TW" altLang="en-US" dirty="0"/>
           </a:p>
